--- a/img/logo.pptx
+++ b/img/logo.pptx
@@ -243,7 +243,7 @@
           <a:p>
             <a:fld id="{0A603504-1825-414E-90AF-4F2BC9593691}" type="datetimeFigureOut">
               <a:rPr lang="ko-KR" altLang="en-US" smtClean="0"/>
-              <a:t>2020-08-17</a:t>
+              <a:t>2020-08-18</a:t>
             </a:fld>
             <a:endParaRPr lang="ko-KR" altLang="en-US"/>
           </a:p>
@@ -413,7 +413,7 @@
           <a:p>
             <a:fld id="{0A603504-1825-414E-90AF-4F2BC9593691}" type="datetimeFigureOut">
               <a:rPr lang="ko-KR" altLang="en-US" smtClean="0"/>
-              <a:t>2020-08-17</a:t>
+              <a:t>2020-08-18</a:t>
             </a:fld>
             <a:endParaRPr lang="ko-KR" altLang="en-US"/>
           </a:p>
@@ -593,7 +593,7 @@
           <a:p>
             <a:fld id="{0A603504-1825-414E-90AF-4F2BC9593691}" type="datetimeFigureOut">
               <a:rPr lang="ko-KR" altLang="en-US" smtClean="0"/>
-              <a:t>2020-08-17</a:t>
+              <a:t>2020-08-18</a:t>
             </a:fld>
             <a:endParaRPr lang="ko-KR" altLang="en-US"/>
           </a:p>
@@ -763,7 +763,7 @@
           <a:p>
             <a:fld id="{0A603504-1825-414E-90AF-4F2BC9593691}" type="datetimeFigureOut">
               <a:rPr lang="ko-KR" altLang="en-US" smtClean="0"/>
-              <a:t>2020-08-17</a:t>
+              <a:t>2020-08-18</a:t>
             </a:fld>
             <a:endParaRPr lang="ko-KR" altLang="en-US"/>
           </a:p>
@@ -1007,7 +1007,7 @@
           <a:p>
             <a:fld id="{0A603504-1825-414E-90AF-4F2BC9593691}" type="datetimeFigureOut">
               <a:rPr lang="ko-KR" altLang="en-US" smtClean="0"/>
-              <a:t>2020-08-17</a:t>
+              <a:t>2020-08-18</a:t>
             </a:fld>
             <a:endParaRPr lang="ko-KR" altLang="en-US"/>
           </a:p>
@@ -1239,7 +1239,7 @@
           <a:p>
             <a:fld id="{0A603504-1825-414E-90AF-4F2BC9593691}" type="datetimeFigureOut">
               <a:rPr lang="ko-KR" altLang="en-US" smtClean="0"/>
-              <a:t>2020-08-17</a:t>
+              <a:t>2020-08-18</a:t>
             </a:fld>
             <a:endParaRPr lang="ko-KR" altLang="en-US"/>
           </a:p>
@@ -1606,7 +1606,7 @@
           <a:p>
             <a:fld id="{0A603504-1825-414E-90AF-4F2BC9593691}" type="datetimeFigureOut">
               <a:rPr lang="ko-KR" altLang="en-US" smtClean="0"/>
-              <a:t>2020-08-17</a:t>
+              <a:t>2020-08-18</a:t>
             </a:fld>
             <a:endParaRPr lang="ko-KR" altLang="en-US"/>
           </a:p>
@@ -1724,7 +1724,7 @@
           <a:p>
             <a:fld id="{0A603504-1825-414E-90AF-4F2BC9593691}" type="datetimeFigureOut">
               <a:rPr lang="ko-KR" altLang="en-US" smtClean="0"/>
-              <a:t>2020-08-17</a:t>
+              <a:t>2020-08-18</a:t>
             </a:fld>
             <a:endParaRPr lang="ko-KR" altLang="en-US"/>
           </a:p>
@@ -1819,7 +1819,7 @@
           <a:p>
             <a:fld id="{0A603504-1825-414E-90AF-4F2BC9593691}" type="datetimeFigureOut">
               <a:rPr lang="ko-KR" altLang="en-US" smtClean="0"/>
-              <a:t>2020-08-17</a:t>
+              <a:t>2020-08-18</a:t>
             </a:fld>
             <a:endParaRPr lang="ko-KR" altLang="en-US"/>
           </a:p>
@@ -2096,7 +2096,7 @@
           <a:p>
             <a:fld id="{0A603504-1825-414E-90AF-4F2BC9593691}" type="datetimeFigureOut">
               <a:rPr lang="ko-KR" altLang="en-US" smtClean="0"/>
-              <a:t>2020-08-17</a:t>
+              <a:t>2020-08-18</a:t>
             </a:fld>
             <a:endParaRPr lang="ko-KR" altLang="en-US"/>
           </a:p>
@@ -2353,7 +2353,7 @@
           <a:p>
             <a:fld id="{0A603504-1825-414E-90AF-4F2BC9593691}" type="datetimeFigureOut">
               <a:rPr lang="ko-KR" altLang="en-US" smtClean="0"/>
-              <a:t>2020-08-17</a:t>
+              <a:t>2020-08-18</a:t>
             </a:fld>
             <a:endParaRPr lang="ko-KR" altLang="en-US"/>
           </a:p>
@@ -2566,7 +2566,7 @@
           <a:p>
             <a:fld id="{0A603504-1825-414E-90AF-4F2BC9593691}" type="datetimeFigureOut">
               <a:rPr lang="ko-KR" altLang="en-US" smtClean="0"/>
-              <a:t>2020-08-17</a:t>
+              <a:t>2020-08-18</a:t>
             </a:fld>
             <a:endParaRPr lang="ko-KR" altLang="en-US"/>
           </a:p>
@@ -2985,8 +2985,8 @@
         </p:nvGrpSpPr>
         <p:grpSpPr>
           <a:xfrm>
-            <a:off x="0" y="-74140"/>
-            <a:ext cx="8999538" cy="9073678"/>
+            <a:off x="-9973128" y="65314"/>
+            <a:ext cx="8999538" cy="8868909"/>
             <a:chOff x="0" y="-74140"/>
             <a:chExt cx="8999538" cy="9073678"/>
           </a:xfrm>
@@ -3083,6 +3083,221 @@
             </a:prstGeom>
           </p:spPr>
         </p:pic>
+      </p:grpSp>
+      <p:grpSp>
+        <p:nvGrpSpPr>
+          <p:cNvPr id="8" name="그룹 7">
+            <a:extLst>
+              <a:ext uri="{FF2B5EF4-FFF2-40B4-BE49-F238E27FC236}">
+                <a16:creationId xmlns:a16="http://schemas.microsoft.com/office/drawing/2014/main" id="{4C61FFAB-5EF5-4CB1-9329-22F7E8F37977}"/>
+              </a:ext>
+            </a:extLst>
+          </p:cNvPr>
+          <p:cNvGrpSpPr/>
+          <p:nvPr/>
+        </p:nvGrpSpPr>
+        <p:grpSpPr>
+          <a:xfrm>
+            <a:off x="10669510" y="-4398221"/>
+            <a:ext cx="8796442" cy="8796442"/>
+            <a:chOff x="80169" y="65314"/>
+            <a:chExt cx="8796442" cy="8796442"/>
+          </a:xfrm>
+        </p:grpSpPr>
+        <p:sp>
+          <p:nvSpPr>
+            <p:cNvPr id="4" name="타원 3">
+              <a:extLst>
+                <a:ext uri="{FF2B5EF4-FFF2-40B4-BE49-F238E27FC236}">
+                  <a16:creationId xmlns:a16="http://schemas.microsoft.com/office/drawing/2014/main" id="{37B84A41-A41D-474E-83B4-A838566429B6}"/>
+                </a:ext>
+              </a:extLst>
+            </p:cNvPr>
+            <p:cNvSpPr/>
+            <p:nvPr/>
+          </p:nvSpPr>
+          <p:spPr>
+            <a:xfrm>
+              <a:off x="80169" y="65314"/>
+              <a:ext cx="8796442" cy="8796442"/>
+            </a:xfrm>
+            <a:prstGeom prst="ellipse">
+              <a:avLst/>
+            </a:prstGeom>
+            <a:solidFill>
+              <a:srgbClr val="E1E8FF"/>
+            </a:solidFill>
+            <a:ln w="177800">
+              <a:solidFill>
+                <a:srgbClr val="ABBFE3"/>
+              </a:solidFill>
+            </a:ln>
+          </p:spPr>
+          <p:style>
+            <a:lnRef idx="2">
+              <a:schemeClr val="accent1">
+                <a:shade val="50000"/>
+              </a:schemeClr>
+            </a:lnRef>
+            <a:fillRef idx="1">
+              <a:schemeClr val="accent1"/>
+            </a:fillRef>
+            <a:effectRef idx="0">
+              <a:schemeClr val="accent1"/>
+            </a:effectRef>
+            <a:fontRef idx="minor">
+              <a:schemeClr val="lt1"/>
+            </a:fontRef>
+          </p:style>
+          <p:txBody>
+            <a:bodyPr rtlCol="0" anchor="ctr"/>
+            <a:lstStyle/>
+            <a:p>
+              <a:pPr algn="ctr"/>
+              <a:endParaRPr lang="ko-KR" altLang="en-US"/>
+            </a:p>
+          </p:txBody>
+        </p:sp>
+        <p:pic>
+          <p:nvPicPr>
+            <p:cNvPr id="7" name="그림 6">
+              <a:extLst>
+                <a:ext uri="{FF2B5EF4-FFF2-40B4-BE49-F238E27FC236}">
+                  <a16:creationId xmlns:a16="http://schemas.microsoft.com/office/drawing/2014/main" id="{6AD0AE96-56D1-46B0-BCA1-31E06AA20D4B}"/>
+                </a:ext>
+              </a:extLst>
+            </p:cNvPr>
+            <p:cNvPicPr>
+              <a:picLocks noChangeAspect="1"/>
+            </p:cNvPicPr>
+            <p:nvPr/>
+          </p:nvPicPr>
+          <p:blipFill>
+            <a:blip r:embed="rId2">
+              <a:extLst>
+                <a:ext uri="{28A0092B-C50C-407E-A947-70E740481C1C}">
+                  <a14:useLocalDpi xmlns:a14="http://schemas.microsoft.com/office/drawing/2010/main" val="0"/>
+                </a:ext>
+              </a:extLst>
+            </a:blip>
+            <a:stretch>
+              <a:fillRect/>
+            </a:stretch>
+          </p:blipFill>
+          <p:spPr>
+            <a:xfrm>
+              <a:off x="290458" y="406348"/>
+              <a:ext cx="8375863" cy="8186842"/>
+            </a:xfrm>
+            <a:prstGeom prst="rect">
+              <a:avLst/>
+            </a:prstGeom>
+          </p:spPr>
+        </p:pic>
+      </p:grpSp>
+      <p:grpSp>
+        <p:nvGrpSpPr>
+          <p:cNvPr id="10" name="그룹 9">
+            <a:extLst>
+              <a:ext uri="{FF2B5EF4-FFF2-40B4-BE49-F238E27FC236}">
+                <a16:creationId xmlns:a16="http://schemas.microsoft.com/office/drawing/2014/main" id="{6CE25F10-A10A-4138-867E-E09583D9576B}"/>
+              </a:ext>
+            </a:extLst>
+          </p:cNvPr>
+          <p:cNvGrpSpPr/>
+          <p:nvPr/>
+        </p:nvGrpSpPr>
+        <p:grpSpPr>
+          <a:xfrm>
+            <a:off x="101548" y="101548"/>
+            <a:ext cx="8796441" cy="8796441"/>
+            <a:chOff x="101548" y="101548"/>
+            <a:chExt cx="8796441" cy="8796441"/>
+          </a:xfrm>
+        </p:grpSpPr>
+        <p:pic>
+          <p:nvPicPr>
+            <p:cNvPr id="9" name="그림 8">
+              <a:extLst>
+                <a:ext uri="{FF2B5EF4-FFF2-40B4-BE49-F238E27FC236}">
+                  <a16:creationId xmlns:a16="http://schemas.microsoft.com/office/drawing/2014/main" id="{AAE60B15-4CF2-4F6B-BFDB-ED03A279D50A}"/>
+                </a:ext>
+              </a:extLst>
+            </p:cNvPr>
+            <p:cNvPicPr>
+              <a:picLocks noChangeAspect="1"/>
+            </p:cNvPicPr>
+            <p:nvPr/>
+          </p:nvPicPr>
+          <p:blipFill>
+            <a:blip r:embed="rId2">
+              <a:extLst>
+                <a:ext uri="{28A0092B-C50C-407E-A947-70E740481C1C}">
+                  <a14:useLocalDpi xmlns:a14="http://schemas.microsoft.com/office/drawing/2010/main" val="0"/>
+                </a:ext>
+              </a:extLst>
+            </a:blip>
+            <a:stretch>
+              <a:fillRect/>
+            </a:stretch>
+          </p:blipFill>
+          <p:spPr>
+            <a:xfrm>
+              <a:off x="1952952" y="2010427"/>
+              <a:ext cx="5093634" cy="4978683"/>
+            </a:xfrm>
+            <a:prstGeom prst="rect">
+              <a:avLst/>
+            </a:prstGeom>
+          </p:spPr>
+        </p:pic>
+        <p:sp>
+          <p:nvSpPr>
+            <p:cNvPr id="3" name="직사각형 2">
+              <a:extLst>
+                <a:ext uri="{FF2B5EF4-FFF2-40B4-BE49-F238E27FC236}">
+                  <a16:creationId xmlns:a16="http://schemas.microsoft.com/office/drawing/2014/main" id="{8345A6FA-EA91-4EE5-89AE-3526768FCA17}"/>
+                </a:ext>
+              </a:extLst>
+            </p:cNvPr>
+            <p:cNvSpPr/>
+            <p:nvPr/>
+          </p:nvSpPr>
+          <p:spPr>
+            <a:xfrm>
+              <a:off x="101548" y="101548"/>
+              <a:ext cx="8796441" cy="8796441"/>
+            </a:xfrm>
+            <a:prstGeom prst="rect">
+              <a:avLst/>
+            </a:prstGeom>
+            <a:noFill/>
+          </p:spPr>
+          <p:style>
+            <a:lnRef idx="2">
+              <a:schemeClr val="accent1">
+                <a:shade val="50000"/>
+              </a:schemeClr>
+            </a:lnRef>
+            <a:fillRef idx="1">
+              <a:schemeClr val="accent1"/>
+            </a:fillRef>
+            <a:effectRef idx="0">
+              <a:schemeClr val="accent1"/>
+            </a:effectRef>
+            <a:fontRef idx="minor">
+              <a:schemeClr val="lt1"/>
+            </a:fontRef>
+          </p:style>
+          <p:txBody>
+            <a:bodyPr rtlCol="0" anchor="ctr"/>
+            <a:lstStyle/>
+            <a:p>
+              <a:pPr algn="ctr"/>
+              <a:endParaRPr lang="ko-KR" altLang="en-US"/>
+            </a:p>
+          </p:txBody>
+        </p:sp>
       </p:grpSp>
     </p:spTree>
     <p:extLst>
